--- a/slides/ppt/02_OOP_Basics.pptx
+++ b/slides/ppt/02_OOP_Basics.pptx
@@ -306,7 +306,7 @@
             <a:fld id="{BAEB7694-8561-4BE2-948D-EDF7A201F8BB}" type="datetimeFigureOut">
               <a:rPr lang="it-IT" smtClean="0"/>
               <a:pPr/>
-              <a:t>01/03/19</a:t>
+              <a:t>05/03/19</a:t>
             </a:fld>
             <a:endParaRPr lang="it-IT"/>
           </a:p>
@@ -14001,12 +14001,6 @@
           <a:lstStyle/>
           <a:p>
             <a:r>
-              <a:rPr lang="en-US" dirty="0">
-                <a:latin typeface="Wingdings"/>
-              </a:rPr>
-              <a:t>􏰀</a:t>
-            </a:r>
-            <a:r>
               <a:rPr lang="en-US" dirty="0"/>
               <a:t>A matrix (</a:t>
             </a:r>
@@ -16735,31 +16729,741 @@
           </a:p>
         </p:txBody>
       </p:sp>
-      <p:pic>
-        <p:nvPicPr>
-          <p:cNvPr id="7" name="Content Placeholder 6" descr="Screen Shot 2016-03-07 at 12.52.36.png"/>
-          <p:cNvPicPr>
-            <a:picLocks noGrp="1" noChangeAspect="1"/>
-          </p:cNvPicPr>
-          <p:nvPr>
-            <p:ph idx="1"/>
-          </p:nvPr>
-        </p:nvPicPr>
-        <p:blipFill>
-          <a:blip r:embed="rId2">
+      <p:sp>
+        <p:nvSpPr>
+          <p:cNvPr id="5" name="Content Placeholder 4">
             <a:extLst>
-              <a:ext uri="{28A0092B-C50C-407E-A947-70E740481C1C}">
-                <a14:useLocalDpi xmlns:a14="http://schemas.microsoft.com/office/drawing/2010/main" val="0"/>
+              <a:ext uri="{FF2B5EF4-FFF2-40B4-BE49-F238E27FC236}">
+                <a16:creationId xmlns:a16="http://schemas.microsoft.com/office/drawing/2014/main" id="{D87C2F44-27D5-224C-A6BC-BF656C2570CF}"/>
               </a:ext>
             </a:extLst>
-          </a:blip>
-          <a:srcRect l="-2536" r="-2536"/>
-          <a:stretch>
-            <a:fillRect/>
-          </a:stretch>
-        </p:blipFill>
+          </p:cNvPr>
+          <p:cNvSpPr>
+            <a:spLocks noGrp="1"/>
+          </p:cNvSpPr>
+          <p:nvPr>
+            <p:ph idx="1"/>
+          </p:nvPr>
+        </p:nvSpPr>
         <p:spPr/>
-      </p:pic>
+        <p:txBody>
+          <a:bodyPr>
+            <a:normAutofit fontScale="92500" lnSpcReduction="10000"/>
+          </a:bodyPr>
+          <a:lstStyle/>
+          <a:p>
+            <a:pPr marL="0" indent="0">
+              <a:buNone/>
+            </a:pPr>
+            <a:r>
+              <a:rPr lang="it-IT" sz="2000" b="1" dirty="0">
+                <a:latin typeface="Consolas" panose="020B0609020204030204" pitchFamily="49" charset="0"/>
+                <a:cs typeface="Consolas" panose="020B0609020204030204" pitchFamily="49" charset="0"/>
+              </a:rPr>
+              <a:t>public</a:t>
+            </a:r>
+            <a:r>
+              <a:rPr lang="it-IT" sz="2000" dirty="0">
+                <a:latin typeface="Consolas" panose="020B0609020204030204" pitchFamily="49" charset="0"/>
+                <a:cs typeface="Consolas" panose="020B0609020204030204" pitchFamily="49" charset="0"/>
+              </a:rPr>
+              <a:t> </a:t>
+            </a:r>
+            <a:r>
+              <a:rPr lang="it-IT" sz="2000" b="1" dirty="0" err="1">
+                <a:latin typeface="Consolas" panose="020B0609020204030204" pitchFamily="49" charset="0"/>
+                <a:cs typeface="Consolas" panose="020B0609020204030204" pitchFamily="49" charset="0"/>
+              </a:rPr>
+              <a:t>class</a:t>
+            </a:r>
+            <a:r>
+              <a:rPr lang="it-IT" sz="2000" dirty="0">
+                <a:latin typeface="Consolas" panose="020B0609020204030204" pitchFamily="49" charset="0"/>
+                <a:cs typeface="Consolas" panose="020B0609020204030204" pitchFamily="49" charset="0"/>
+              </a:rPr>
+              <a:t> </a:t>
+            </a:r>
+            <a:r>
+              <a:rPr lang="it-IT" sz="2000" dirty="0" err="1">
+                <a:latin typeface="Consolas" panose="020B0609020204030204" pitchFamily="49" charset="0"/>
+                <a:cs typeface="Consolas" panose="020B0609020204030204" pitchFamily="49" charset="0"/>
+              </a:rPr>
+              <a:t>Foo</a:t>
+            </a:r>
+            <a:r>
+              <a:rPr lang="it-IT" sz="2000" dirty="0">
+                <a:latin typeface="Consolas" panose="020B0609020204030204" pitchFamily="49" charset="0"/>
+                <a:cs typeface="Consolas" panose="020B0609020204030204" pitchFamily="49" charset="0"/>
+              </a:rPr>
+              <a:t> {</a:t>
+            </a:r>
+          </a:p>
+          <a:p>
+            <a:pPr marL="0" indent="0">
+              <a:buNone/>
+            </a:pPr>
+            <a:r>
+              <a:rPr lang="it-IT" sz="2000" b="1" dirty="0">
+                <a:latin typeface="Consolas" panose="020B0609020204030204" pitchFamily="49" charset="0"/>
+                <a:cs typeface="Consolas" panose="020B0609020204030204" pitchFamily="49" charset="0"/>
+              </a:rPr>
+              <a:t>	public</a:t>
+            </a:r>
+            <a:r>
+              <a:rPr lang="it-IT" sz="2000" dirty="0">
+                <a:latin typeface="Consolas" panose="020B0609020204030204" pitchFamily="49" charset="0"/>
+                <a:cs typeface="Consolas" panose="020B0609020204030204" pitchFamily="49" charset="0"/>
+              </a:rPr>
+              <a:t> </a:t>
+            </a:r>
+            <a:r>
+              <a:rPr lang="it-IT" sz="2000" b="1" dirty="0" err="1">
+                <a:latin typeface="Consolas" panose="020B0609020204030204" pitchFamily="49" charset="0"/>
+                <a:cs typeface="Consolas" panose="020B0609020204030204" pitchFamily="49" charset="0"/>
+              </a:rPr>
+              <a:t>int</a:t>
+            </a:r>
+            <a:r>
+              <a:rPr lang="it-IT" sz="2000" dirty="0">
+                <a:latin typeface="Consolas" panose="020B0609020204030204" pitchFamily="49" charset="0"/>
+                <a:cs typeface="Consolas" panose="020B0609020204030204" pitchFamily="49" charset="0"/>
+              </a:rPr>
+              <a:t> </a:t>
+            </a:r>
+            <a:r>
+              <a:rPr lang="it-IT" sz="2000" dirty="0" err="1">
+                <a:latin typeface="Consolas" panose="020B0609020204030204" pitchFamily="49" charset="0"/>
+                <a:cs typeface="Consolas" panose="020B0609020204030204" pitchFamily="49" charset="0"/>
+              </a:rPr>
+              <a:t>doit</a:t>
+            </a:r>
+            <a:r>
+              <a:rPr lang="it-IT" sz="2000" dirty="0">
+                <a:latin typeface="Consolas" panose="020B0609020204030204" pitchFamily="49" charset="0"/>
+                <a:cs typeface="Consolas" panose="020B0609020204030204" pitchFamily="49" charset="0"/>
+              </a:rPr>
+              <a:t>(</a:t>
+            </a:r>
+            <a:r>
+              <a:rPr lang="it-IT" sz="2000" b="1" dirty="0" err="1">
+                <a:latin typeface="Consolas" panose="020B0609020204030204" pitchFamily="49" charset="0"/>
+                <a:cs typeface="Consolas" panose="020B0609020204030204" pitchFamily="49" charset="0"/>
+              </a:rPr>
+              <a:t>int</a:t>
+            </a:r>
+            <a:r>
+              <a:rPr lang="it-IT" sz="2000" dirty="0">
+                <a:latin typeface="Consolas" panose="020B0609020204030204" pitchFamily="49" charset="0"/>
+                <a:cs typeface="Consolas" panose="020B0609020204030204" pitchFamily="49" charset="0"/>
+              </a:rPr>
+              <a:t> </a:t>
+            </a:r>
+            <a:r>
+              <a:rPr lang="it-IT" sz="2000" dirty="0" err="1">
+                <a:latin typeface="Consolas" panose="020B0609020204030204" pitchFamily="49" charset="0"/>
+                <a:cs typeface="Consolas" panose="020B0609020204030204" pitchFamily="49" charset="0"/>
+              </a:rPr>
+              <a:t>n</a:t>
+            </a:r>
+            <a:r>
+              <a:rPr lang="it-IT" sz="2000" dirty="0">
+                <a:latin typeface="Consolas" panose="020B0609020204030204" pitchFamily="49" charset="0"/>
+                <a:cs typeface="Consolas" panose="020B0609020204030204" pitchFamily="49" charset="0"/>
+              </a:rPr>
+              <a:t>, </a:t>
+            </a:r>
+            <a:r>
+              <a:rPr lang="it-IT" sz="2000" dirty="0" err="1">
+                <a:latin typeface="Consolas" panose="020B0609020204030204" pitchFamily="49" charset="0"/>
+                <a:cs typeface="Consolas" panose="020B0609020204030204" pitchFamily="49" charset="0"/>
+              </a:rPr>
+              <a:t>String</a:t>
+            </a:r>
+            <a:r>
+              <a:rPr lang="it-IT" sz="2000" dirty="0">
+                <a:latin typeface="Consolas" panose="020B0609020204030204" pitchFamily="49" charset="0"/>
+                <a:cs typeface="Consolas" panose="020B0609020204030204" pitchFamily="49" charset="0"/>
+              </a:rPr>
+              <a:t> </a:t>
+            </a:r>
+            <a:r>
+              <a:rPr lang="it-IT" sz="2000" dirty="0" err="1">
+                <a:latin typeface="Consolas" panose="020B0609020204030204" pitchFamily="49" charset="0"/>
+                <a:cs typeface="Consolas" panose="020B0609020204030204" pitchFamily="49" charset="0"/>
+              </a:rPr>
+              <a:t>s</a:t>
+            </a:r>
+            <a:r>
+              <a:rPr lang="it-IT" sz="2000" dirty="0">
+                <a:latin typeface="Consolas" panose="020B0609020204030204" pitchFamily="49" charset="0"/>
+                <a:cs typeface="Consolas" panose="020B0609020204030204" pitchFamily="49" charset="0"/>
+              </a:rPr>
+              <a:t>) {</a:t>
+            </a:r>
+          </a:p>
+          <a:p>
+            <a:pPr marL="0" indent="0">
+              <a:buNone/>
+            </a:pPr>
+            <a:r>
+              <a:rPr lang="it-IT" sz="2000" b="1" dirty="0">
+                <a:latin typeface="Consolas" panose="020B0609020204030204" pitchFamily="49" charset="0"/>
+                <a:cs typeface="Consolas" panose="020B0609020204030204" pitchFamily="49" charset="0"/>
+              </a:rPr>
+              <a:t>		</a:t>
+            </a:r>
+            <a:r>
+              <a:rPr lang="it-IT" sz="2000" b="1" dirty="0" err="1">
+                <a:latin typeface="Consolas" panose="020B0609020204030204" pitchFamily="49" charset="0"/>
+                <a:cs typeface="Consolas" panose="020B0609020204030204" pitchFamily="49" charset="0"/>
+              </a:rPr>
+              <a:t>return</a:t>
+            </a:r>
+            <a:r>
+              <a:rPr lang="it-IT" sz="2000" dirty="0">
+                <a:latin typeface="Consolas" panose="020B0609020204030204" pitchFamily="49" charset="0"/>
+                <a:cs typeface="Consolas" panose="020B0609020204030204" pitchFamily="49" charset="0"/>
+              </a:rPr>
+              <a:t> </a:t>
+            </a:r>
+            <a:r>
+              <a:rPr lang="it-IT" sz="2000" dirty="0" err="1">
+                <a:latin typeface="Consolas" panose="020B0609020204030204" pitchFamily="49" charset="0"/>
+                <a:cs typeface="Consolas" panose="020B0609020204030204" pitchFamily="49" charset="0"/>
+              </a:rPr>
+              <a:t>n</a:t>
+            </a:r>
+            <a:r>
+              <a:rPr lang="it-IT" sz="2000" dirty="0">
+                <a:latin typeface="Consolas" panose="020B0609020204030204" pitchFamily="49" charset="0"/>
+                <a:cs typeface="Consolas" panose="020B0609020204030204" pitchFamily="49" charset="0"/>
+              </a:rPr>
+              <a:t> + </a:t>
+            </a:r>
+            <a:r>
+              <a:rPr lang="it-IT" sz="2000" dirty="0" err="1">
+                <a:latin typeface="Consolas" panose="020B0609020204030204" pitchFamily="49" charset="0"/>
+                <a:cs typeface="Consolas" panose="020B0609020204030204" pitchFamily="49" charset="0"/>
+              </a:rPr>
+              <a:t>s.length</a:t>
+            </a:r>
+            <a:r>
+              <a:rPr lang="it-IT" sz="2000" dirty="0">
+                <a:latin typeface="Consolas" panose="020B0609020204030204" pitchFamily="49" charset="0"/>
+                <a:cs typeface="Consolas" panose="020B0609020204030204" pitchFamily="49" charset="0"/>
+              </a:rPr>
+              <a:t>();</a:t>
+            </a:r>
+          </a:p>
+          <a:p>
+            <a:pPr marL="0" indent="0">
+              <a:buNone/>
+            </a:pPr>
+            <a:r>
+              <a:rPr lang="it-IT" sz="2000" dirty="0">
+                <a:latin typeface="Consolas" panose="020B0609020204030204" pitchFamily="49" charset="0"/>
+                <a:cs typeface="Consolas" panose="020B0609020204030204" pitchFamily="49" charset="0"/>
+              </a:rPr>
+              <a:t>	}</a:t>
+            </a:r>
+          </a:p>
+          <a:p>
+            <a:pPr marL="0" indent="0">
+              <a:buNone/>
+            </a:pPr>
+            <a:r>
+              <a:rPr lang="it-IT" sz="2000" b="1" dirty="0">
+                <a:latin typeface="Consolas" panose="020B0609020204030204" pitchFamily="49" charset="0"/>
+                <a:cs typeface="Consolas" panose="020B0609020204030204" pitchFamily="49" charset="0"/>
+              </a:rPr>
+              <a:t>	public</a:t>
+            </a:r>
+            <a:r>
+              <a:rPr lang="it-IT" sz="2000" dirty="0">
+                <a:latin typeface="Consolas" panose="020B0609020204030204" pitchFamily="49" charset="0"/>
+                <a:cs typeface="Consolas" panose="020B0609020204030204" pitchFamily="49" charset="0"/>
+              </a:rPr>
+              <a:t> </a:t>
+            </a:r>
+            <a:r>
+              <a:rPr lang="it-IT" sz="2000" b="1" dirty="0" err="1">
+                <a:latin typeface="Consolas" panose="020B0609020204030204" pitchFamily="49" charset="0"/>
+                <a:cs typeface="Consolas" panose="020B0609020204030204" pitchFamily="49" charset="0"/>
+              </a:rPr>
+              <a:t>int</a:t>
+            </a:r>
+            <a:r>
+              <a:rPr lang="it-IT" sz="2000" dirty="0">
+                <a:latin typeface="Consolas" panose="020B0609020204030204" pitchFamily="49" charset="0"/>
+                <a:cs typeface="Consolas" panose="020B0609020204030204" pitchFamily="49" charset="0"/>
+              </a:rPr>
+              <a:t> </a:t>
+            </a:r>
+            <a:r>
+              <a:rPr lang="it-IT" sz="2000" dirty="0" err="1">
+                <a:latin typeface="Consolas" panose="020B0609020204030204" pitchFamily="49" charset="0"/>
+                <a:cs typeface="Consolas" panose="020B0609020204030204" pitchFamily="49" charset="0"/>
+              </a:rPr>
+              <a:t>doit</a:t>
+            </a:r>
+            <a:r>
+              <a:rPr lang="it-IT" sz="2000" dirty="0">
+                <a:latin typeface="Consolas" panose="020B0609020204030204" pitchFamily="49" charset="0"/>
+                <a:cs typeface="Consolas" panose="020B0609020204030204" pitchFamily="49" charset="0"/>
+              </a:rPr>
+              <a:t>(</a:t>
+            </a:r>
+            <a:r>
+              <a:rPr lang="it-IT" sz="2000" dirty="0" err="1">
+                <a:latin typeface="Consolas" panose="020B0609020204030204" pitchFamily="49" charset="0"/>
+                <a:cs typeface="Consolas" panose="020B0609020204030204" pitchFamily="49" charset="0"/>
+              </a:rPr>
+              <a:t>String</a:t>
+            </a:r>
+            <a:r>
+              <a:rPr lang="it-IT" sz="2000" dirty="0">
+                <a:latin typeface="Consolas" panose="020B0609020204030204" pitchFamily="49" charset="0"/>
+                <a:cs typeface="Consolas" panose="020B0609020204030204" pitchFamily="49" charset="0"/>
+              </a:rPr>
+              <a:t> </a:t>
+            </a:r>
+            <a:r>
+              <a:rPr lang="it-IT" sz="2000" dirty="0" err="1">
+                <a:latin typeface="Consolas" panose="020B0609020204030204" pitchFamily="49" charset="0"/>
+                <a:cs typeface="Consolas" panose="020B0609020204030204" pitchFamily="49" charset="0"/>
+              </a:rPr>
+              <a:t>s</a:t>
+            </a:r>
+            <a:r>
+              <a:rPr lang="it-IT" sz="2000" dirty="0">
+                <a:latin typeface="Consolas" panose="020B0609020204030204" pitchFamily="49" charset="0"/>
+                <a:cs typeface="Consolas" panose="020B0609020204030204" pitchFamily="49" charset="0"/>
+              </a:rPr>
+              <a:t>, </a:t>
+            </a:r>
+            <a:r>
+              <a:rPr lang="it-IT" sz="2000" b="1" dirty="0" err="1">
+                <a:latin typeface="Consolas" panose="020B0609020204030204" pitchFamily="49" charset="0"/>
+                <a:cs typeface="Consolas" panose="020B0609020204030204" pitchFamily="49" charset="0"/>
+              </a:rPr>
+              <a:t>int</a:t>
+            </a:r>
+            <a:r>
+              <a:rPr lang="it-IT" sz="2000" dirty="0">
+                <a:latin typeface="Consolas" panose="020B0609020204030204" pitchFamily="49" charset="0"/>
+                <a:cs typeface="Consolas" panose="020B0609020204030204" pitchFamily="49" charset="0"/>
+              </a:rPr>
+              <a:t> </a:t>
+            </a:r>
+            <a:r>
+              <a:rPr lang="it-IT" sz="2000" dirty="0" err="1">
+                <a:latin typeface="Consolas" panose="020B0609020204030204" pitchFamily="49" charset="0"/>
+                <a:cs typeface="Consolas" panose="020B0609020204030204" pitchFamily="49" charset="0"/>
+              </a:rPr>
+              <a:t>n</a:t>
+            </a:r>
+            <a:r>
+              <a:rPr lang="it-IT" sz="2000" dirty="0">
+                <a:latin typeface="Consolas" panose="020B0609020204030204" pitchFamily="49" charset="0"/>
+                <a:cs typeface="Consolas" panose="020B0609020204030204" pitchFamily="49" charset="0"/>
+              </a:rPr>
+              <a:t>) {</a:t>
+            </a:r>
+          </a:p>
+          <a:p>
+            <a:pPr marL="0" indent="0">
+              <a:buNone/>
+            </a:pPr>
+            <a:r>
+              <a:rPr lang="it-IT" sz="2000" b="1" dirty="0">
+                <a:latin typeface="Consolas" panose="020B0609020204030204" pitchFamily="49" charset="0"/>
+                <a:cs typeface="Consolas" panose="020B0609020204030204" pitchFamily="49" charset="0"/>
+              </a:rPr>
+              <a:t>		</a:t>
+            </a:r>
+            <a:r>
+              <a:rPr lang="it-IT" sz="2000" b="1" dirty="0" err="1">
+                <a:latin typeface="Consolas" panose="020B0609020204030204" pitchFamily="49" charset="0"/>
+                <a:cs typeface="Consolas" panose="020B0609020204030204" pitchFamily="49" charset="0"/>
+              </a:rPr>
+              <a:t>return</a:t>
+            </a:r>
+            <a:r>
+              <a:rPr lang="it-IT" sz="2000" dirty="0">
+                <a:latin typeface="Consolas" panose="020B0609020204030204" pitchFamily="49" charset="0"/>
+                <a:cs typeface="Consolas" panose="020B0609020204030204" pitchFamily="49" charset="0"/>
+              </a:rPr>
+              <a:t> </a:t>
+            </a:r>
+            <a:r>
+              <a:rPr lang="it-IT" sz="2000" dirty="0" err="1">
+                <a:latin typeface="Consolas" panose="020B0609020204030204" pitchFamily="49" charset="0"/>
+                <a:cs typeface="Consolas" panose="020B0609020204030204" pitchFamily="49" charset="0"/>
+              </a:rPr>
+              <a:t>n</a:t>
+            </a:r>
+            <a:r>
+              <a:rPr lang="it-IT" sz="2000" dirty="0">
+                <a:latin typeface="Consolas" panose="020B0609020204030204" pitchFamily="49" charset="0"/>
+                <a:cs typeface="Consolas" panose="020B0609020204030204" pitchFamily="49" charset="0"/>
+              </a:rPr>
+              <a:t> * </a:t>
+            </a:r>
+            <a:r>
+              <a:rPr lang="it-IT" sz="2000" dirty="0" err="1">
+                <a:latin typeface="Consolas" panose="020B0609020204030204" pitchFamily="49" charset="0"/>
+                <a:cs typeface="Consolas" panose="020B0609020204030204" pitchFamily="49" charset="0"/>
+              </a:rPr>
+              <a:t>s.length</a:t>
+            </a:r>
+            <a:r>
+              <a:rPr lang="it-IT" sz="2000" dirty="0">
+                <a:latin typeface="Consolas" panose="020B0609020204030204" pitchFamily="49" charset="0"/>
+                <a:cs typeface="Consolas" panose="020B0609020204030204" pitchFamily="49" charset="0"/>
+              </a:rPr>
+              <a:t>();</a:t>
+            </a:r>
+          </a:p>
+          <a:p>
+            <a:pPr marL="0" indent="0">
+              <a:buNone/>
+            </a:pPr>
+            <a:r>
+              <a:rPr lang="it-IT" sz="2000" dirty="0">
+                <a:latin typeface="Consolas" panose="020B0609020204030204" pitchFamily="49" charset="0"/>
+                <a:cs typeface="Consolas" panose="020B0609020204030204" pitchFamily="49" charset="0"/>
+              </a:rPr>
+              <a:t>	}</a:t>
+            </a:r>
+          </a:p>
+          <a:p>
+            <a:pPr marL="0" indent="0">
+              <a:buNone/>
+            </a:pPr>
+            <a:r>
+              <a:rPr lang="it-IT" sz="2000" b="1" dirty="0">
+                <a:latin typeface="Consolas" panose="020B0609020204030204" pitchFamily="49" charset="0"/>
+                <a:cs typeface="Consolas" panose="020B0609020204030204" pitchFamily="49" charset="0"/>
+              </a:rPr>
+              <a:t>	public</a:t>
+            </a:r>
+            <a:r>
+              <a:rPr lang="it-IT" sz="2000" dirty="0">
+                <a:latin typeface="Consolas" panose="020B0609020204030204" pitchFamily="49" charset="0"/>
+                <a:cs typeface="Consolas" panose="020B0609020204030204" pitchFamily="49" charset="0"/>
+              </a:rPr>
+              <a:t> </a:t>
+            </a:r>
+            <a:r>
+              <a:rPr lang="it-IT" sz="2000" b="1" dirty="0" err="1">
+                <a:latin typeface="Consolas" panose="020B0609020204030204" pitchFamily="49" charset="0"/>
+                <a:cs typeface="Consolas" panose="020B0609020204030204" pitchFamily="49" charset="0"/>
+              </a:rPr>
+              <a:t>static</a:t>
+            </a:r>
+            <a:r>
+              <a:rPr lang="it-IT" sz="2000" dirty="0">
+                <a:latin typeface="Consolas" panose="020B0609020204030204" pitchFamily="49" charset="0"/>
+                <a:cs typeface="Consolas" panose="020B0609020204030204" pitchFamily="49" charset="0"/>
+              </a:rPr>
+              <a:t> </a:t>
+            </a:r>
+            <a:r>
+              <a:rPr lang="it-IT" sz="2000" b="1" dirty="0" err="1">
+                <a:latin typeface="Consolas" panose="020B0609020204030204" pitchFamily="49" charset="0"/>
+                <a:cs typeface="Consolas" panose="020B0609020204030204" pitchFamily="49" charset="0"/>
+              </a:rPr>
+              <a:t>void</a:t>
+            </a:r>
+            <a:r>
+              <a:rPr lang="it-IT" sz="2000" dirty="0">
+                <a:latin typeface="Consolas" panose="020B0609020204030204" pitchFamily="49" charset="0"/>
+                <a:cs typeface="Consolas" panose="020B0609020204030204" pitchFamily="49" charset="0"/>
+              </a:rPr>
+              <a:t> </a:t>
+            </a:r>
+            <a:r>
+              <a:rPr lang="it-IT" sz="2000" dirty="0" err="1">
+                <a:latin typeface="Consolas" panose="020B0609020204030204" pitchFamily="49" charset="0"/>
+                <a:cs typeface="Consolas" panose="020B0609020204030204" pitchFamily="49" charset="0"/>
+              </a:rPr>
+              <a:t>main</a:t>
+            </a:r>
+            <a:r>
+              <a:rPr lang="it-IT" sz="2000" dirty="0">
+                <a:latin typeface="Consolas" panose="020B0609020204030204" pitchFamily="49" charset="0"/>
+                <a:cs typeface="Consolas" panose="020B0609020204030204" pitchFamily="49" charset="0"/>
+              </a:rPr>
+              <a:t>(</a:t>
+            </a:r>
+            <a:r>
+              <a:rPr lang="it-IT" sz="2000" dirty="0" err="1">
+                <a:latin typeface="Consolas" panose="020B0609020204030204" pitchFamily="49" charset="0"/>
+                <a:cs typeface="Consolas" panose="020B0609020204030204" pitchFamily="49" charset="0"/>
+              </a:rPr>
+              <a:t>String</a:t>
+            </a:r>
+            <a:r>
+              <a:rPr lang="it-IT" sz="2000" dirty="0">
+                <a:latin typeface="Consolas" panose="020B0609020204030204" pitchFamily="49" charset="0"/>
+                <a:cs typeface="Consolas" panose="020B0609020204030204" pitchFamily="49" charset="0"/>
+              </a:rPr>
+              <a:t>[] </a:t>
+            </a:r>
+            <a:r>
+              <a:rPr lang="it-IT" sz="2000" dirty="0" err="1">
+                <a:latin typeface="Consolas" panose="020B0609020204030204" pitchFamily="49" charset="0"/>
+                <a:cs typeface="Consolas" panose="020B0609020204030204" pitchFamily="49" charset="0"/>
+              </a:rPr>
+              <a:t>args</a:t>
+            </a:r>
+            <a:r>
+              <a:rPr lang="it-IT" sz="2000" dirty="0">
+                <a:latin typeface="Consolas" panose="020B0609020204030204" pitchFamily="49" charset="0"/>
+                <a:cs typeface="Consolas" panose="020B0609020204030204" pitchFamily="49" charset="0"/>
+              </a:rPr>
+              <a:t>) {</a:t>
+            </a:r>
+          </a:p>
+          <a:p>
+            <a:pPr marL="0" indent="0">
+              <a:buNone/>
+            </a:pPr>
+            <a:r>
+              <a:rPr lang="it-IT" sz="2000" dirty="0">
+                <a:latin typeface="Consolas" panose="020B0609020204030204" pitchFamily="49" charset="0"/>
+                <a:cs typeface="Consolas" panose="020B0609020204030204" pitchFamily="49" charset="0"/>
+              </a:rPr>
+              <a:t>		</a:t>
+            </a:r>
+            <a:r>
+              <a:rPr lang="it-IT" sz="2000" dirty="0" err="1">
+                <a:latin typeface="Consolas" panose="020B0609020204030204" pitchFamily="49" charset="0"/>
+                <a:cs typeface="Consolas" panose="020B0609020204030204" pitchFamily="49" charset="0"/>
+              </a:rPr>
+              <a:t>Foo</a:t>
+            </a:r>
+            <a:r>
+              <a:rPr lang="it-IT" sz="2000" dirty="0">
+                <a:latin typeface="Consolas" panose="020B0609020204030204" pitchFamily="49" charset="0"/>
+                <a:cs typeface="Consolas" panose="020B0609020204030204" pitchFamily="49" charset="0"/>
+              </a:rPr>
+              <a:t> </a:t>
+            </a:r>
+            <a:r>
+              <a:rPr lang="it-IT" sz="2000" dirty="0" err="1">
+                <a:latin typeface="Consolas" panose="020B0609020204030204" pitchFamily="49" charset="0"/>
+                <a:cs typeface="Consolas" panose="020B0609020204030204" pitchFamily="49" charset="0"/>
+              </a:rPr>
+              <a:t>f</a:t>
+            </a:r>
+            <a:r>
+              <a:rPr lang="it-IT" sz="2000" dirty="0">
+                <a:latin typeface="Consolas" panose="020B0609020204030204" pitchFamily="49" charset="0"/>
+                <a:cs typeface="Consolas" panose="020B0609020204030204" pitchFamily="49" charset="0"/>
+              </a:rPr>
+              <a:t> = </a:t>
+            </a:r>
+            <a:r>
+              <a:rPr lang="it-IT" sz="2000" b="1" dirty="0">
+                <a:latin typeface="Consolas" panose="020B0609020204030204" pitchFamily="49" charset="0"/>
+                <a:cs typeface="Consolas" panose="020B0609020204030204" pitchFamily="49" charset="0"/>
+              </a:rPr>
+              <a:t>new</a:t>
+            </a:r>
+            <a:r>
+              <a:rPr lang="it-IT" sz="2000" dirty="0">
+                <a:latin typeface="Consolas" panose="020B0609020204030204" pitchFamily="49" charset="0"/>
+                <a:cs typeface="Consolas" panose="020B0609020204030204" pitchFamily="49" charset="0"/>
+              </a:rPr>
+              <a:t> </a:t>
+            </a:r>
+            <a:r>
+              <a:rPr lang="it-IT" sz="2000" dirty="0" err="1">
+                <a:latin typeface="Consolas" panose="020B0609020204030204" pitchFamily="49" charset="0"/>
+                <a:cs typeface="Consolas" panose="020B0609020204030204" pitchFamily="49" charset="0"/>
+              </a:rPr>
+              <a:t>Foo</a:t>
+            </a:r>
+            <a:r>
+              <a:rPr lang="it-IT" sz="2000" dirty="0">
+                <a:latin typeface="Consolas" panose="020B0609020204030204" pitchFamily="49" charset="0"/>
+                <a:cs typeface="Consolas" panose="020B0609020204030204" pitchFamily="49" charset="0"/>
+              </a:rPr>
+              <a:t>();</a:t>
+            </a:r>
+          </a:p>
+          <a:p>
+            <a:pPr marL="0" indent="0">
+              <a:buNone/>
+            </a:pPr>
+            <a:r>
+              <a:rPr lang="it-IT" sz="2000" dirty="0">
+                <a:latin typeface="Consolas" panose="020B0609020204030204" pitchFamily="49" charset="0"/>
+                <a:cs typeface="Consolas" panose="020B0609020204030204" pitchFamily="49" charset="0"/>
+              </a:rPr>
+              <a:t>		</a:t>
+            </a:r>
+            <a:r>
+              <a:rPr lang="it-IT" sz="2000" dirty="0" err="1">
+                <a:latin typeface="Consolas" panose="020B0609020204030204" pitchFamily="49" charset="0"/>
+                <a:cs typeface="Consolas" panose="020B0609020204030204" pitchFamily="49" charset="0"/>
+              </a:rPr>
+              <a:t>System.</a:t>
+            </a:r>
+            <a:r>
+              <a:rPr lang="it-IT" sz="2000" b="1" i="1" dirty="0" err="1">
+                <a:latin typeface="Consolas" panose="020B0609020204030204" pitchFamily="49" charset="0"/>
+                <a:cs typeface="Consolas" panose="020B0609020204030204" pitchFamily="49" charset="0"/>
+              </a:rPr>
+              <a:t>out</a:t>
+            </a:r>
+            <a:r>
+              <a:rPr lang="it-IT" sz="2000" dirty="0" err="1">
+                <a:latin typeface="Consolas" panose="020B0609020204030204" pitchFamily="49" charset="0"/>
+                <a:cs typeface="Consolas" panose="020B0609020204030204" pitchFamily="49" charset="0"/>
+              </a:rPr>
+              <a:t>.println</a:t>
+            </a:r>
+            <a:r>
+              <a:rPr lang="it-IT" sz="2000" dirty="0">
+                <a:latin typeface="Consolas" panose="020B0609020204030204" pitchFamily="49" charset="0"/>
+                <a:cs typeface="Consolas" panose="020B0609020204030204" pitchFamily="49" charset="0"/>
+              </a:rPr>
+              <a:t>(</a:t>
+            </a:r>
+            <a:r>
+              <a:rPr lang="it-IT" sz="2000" dirty="0" err="1">
+                <a:latin typeface="Consolas" panose="020B0609020204030204" pitchFamily="49" charset="0"/>
+                <a:cs typeface="Consolas" panose="020B0609020204030204" pitchFamily="49" charset="0"/>
+              </a:rPr>
+              <a:t>f.doit</a:t>
+            </a:r>
+            <a:r>
+              <a:rPr lang="it-IT" sz="2000" dirty="0">
+                <a:latin typeface="Consolas" panose="020B0609020204030204" pitchFamily="49" charset="0"/>
+                <a:cs typeface="Consolas" panose="020B0609020204030204" pitchFamily="49" charset="0"/>
+              </a:rPr>
+              <a:t>(5, "</a:t>
+            </a:r>
+            <a:r>
+              <a:rPr lang="it-IT" sz="2000" dirty="0" err="1">
+                <a:latin typeface="Consolas" panose="020B0609020204030204" pitchFamily="49" charset="0"/>
+                <a:cs typeface="Consolas" panose="020B0609020204030204" pitchFamily="49" charset="0"/>
+              </a:rPr>
+              <a:t>Foo</a:t>
+            </a:r>
+            <a:r>
+              <a:rPr lang="it-IT" sz="2000" dirty="0">
+                <a:latin typeface="Consolas" panose="020B0609020204030204" pitchFamily="49" charset="0"/>
+                <a:cs typeface="Consolas" panose="020B0609020204030204" pitchFamily="49" charset="0"/>
+              </a:rPr>
+              <a:t>"));  // 8</a:t>
+            </a:r>
+          </a:p>
+          <a:p>
+            <a:pPr marL="0" indent="0">
+              <a:buNone/>
+            </a:pPr>
+            <a:r>
+              <a:rPr lang="it-IT" sz="2000" dirty="0">
+                <a:latin typeface="Consolas" panose="020B0609020204030204" pitchFamily="49" charset="0"/>
+                <a:cs typeface="Consolas" panose="020B0609020204030204" pitchFamily="49" charset="0"/>
+              </a:rPr>
+              <a:t>		</a:t>
+            </a:r>
+            <a:r>
+              <a:rPr lang="it-IT" sz="2000" dirty="0" err="1">
+                <a:latin typeface="Consolas" panose="020B0609020204030204" pitchFamily="49" charset="0"/>
+                <a:cs typeface="Consolas" panose="020B0609020204030204" pitchFamily="49" charset="0"/>
+              </a:rPr>
+              <a:t>System.</a:t>
+            </a:r>
+            <a:r>
+              <a:rPr lang="it-IT" sz="2000" b="1" i="1" dirty="0" err="1">
+                <a:latin typeface="Consolas" panose="020B0609020204030204" pitchFamily="49" charset="0"/>
+                <a:cs typeface="Consolas" panose="020B0609020204030204" pitchFamily="49" charset="0"/>
+              </a:rPr>
+              <a:t>out</a:t>
+            </a:r>
+            <a:r>
+              <a:rPr lang="it-IT" sz="2000" dirty="0" err="1">
+                <a:latin typeface="Consolas" panose="020B0609020204030204" pitchFamily="49" charset="0"/>
+                <a:cs typeface="Consolas" panose="020B0609020204030204" pitchFamily="49" charset="0"/>
+              </a:rPr>
+              <a:t>.println</a:t>
+            </a:r>
+            <a:r>
+              <a:rPr lang="it-IT" sz="2000" dirty="0">
+                <a:latin typeface="Consolas" panose="020B0609020204030204" pitchFamily="49" charset="0"/>
+                <a:cs typeface="Consolas" panose="020B0609020204030204" pitchFamily="49" charset="0"/>
+              </a:rPr>
+              <a:t>(</a:t>
+            </a:r>
+            <a:r>
+              <a:rPr lang="it-IT" sz="2000" dirty="0" err="1">
+                <a:latin typeface="Consolas" panose="020B0609020204030204" pitchFamily="49" charset="0"/>
+                <a:cs typeface="Consolas" panose="020B0609020204030204" pitchFamily="49" charset="0"/>
+              </a:rPr>
+              <a:t>f.doit</a:t>
+            </a:r>
+            <a:r>
+              <a:rPr lang="it-IT" sz="2000" dirty="0">
+                <a:latin typeface="Consolas" panose="020B0609020204030204" pitchFamily="49" charset="0"/>
+                <a:cs typeface="Consolas" panose="020B0609020204030204" pitchFamily="49" charset="0"/>
+              </a:rPr>
+              <a:t>("</a:t>
+            </a:r>
+            <a:r>
+              <a:rPr lang="it-IT" sz="2000" dirty="0" err="1">
+                <a:latin typeface="Consolas" panose="020B0609020204030204" pitchFamily="49" charset="0"/>
+                <a:cs typeface="Consolas" panose="020B0609020204030204" pitchFamily="49" charset="0"/>
+              </a:rPr>
+              <a:t>Foo</a:t>
+            </a:r>
+            <a:r>
+              <a:rPr lang="it-IT" sz="2000" dirty="0">
+                <a:latin typeface="Consolas" panose="020B0609020204030204" pitchFamily="49" charset="0"/>
+                <a:cs typeface="Consolas" panose="020B0609020204030204" pitchFamily="49" charset="0"/>
+              </a:rPr>
+              <a:t>", 5));  // 15</a:t>
+            </a:r>
+          </a:p>
+          <a:p>
+            <a:pPr marL="0" indent="0">
+              <a:buNone/>
+            </a:pPr>
+            <a:r>
+              <a:rPr lang="it-IT" sz="2000" dirty="0">
+                <a:latin typeface="Consolas" panose="020B0609020204030204" pitchFamily="49" charset="0"/>
+                <a:cs typeface="Consolas" panose="020B0609020204030204" pitchFamily="49" charset="0"/>
+              </a:rPr>
+              <a:t>	}</a:t>
+            </a:r>
+          </a:p>
+          <a:p>
+            <a:pPr marL="0" indent="0">
+              <a:buNone/>
+            </a:pPr>
+            <a:r>
+              <a:rPr lang="it-IT" sz="2000" dirty="0">
+                <a:latin typeface="Consolas" panose="020B0609020204030204" pitchFamily="49" charset="0"/>
+                <a:cs typeface="Consolas" panose="020B0609020204030204" pitchFamily="49" charset="0"/>
+              </a:rPr>
+              <a:t>}</a:t>
+            </a:r>
+          </a:p>
+          <a:p>
+            <a:pPr marL="0" indent="0">
+              <a:buNone/>
+            </a:pPr>
+            <a:endParaRPr lang="it-IT" sz="2000" dirty="0">
+              <a:latin typeface="Consolas" panose="020B0609020204030204" pitchFamily="49" charset="0"/>
+              <a:cs typeface="Consolas" panose="020B0609020204030204" pitchFamily="49" charset="0"/>
+            </a:endParaRPr>
+          </a:p>
+        </p:txBody>
+      </p:sp>
     </p:spTree>
     <p:extLst>
       <p:ext uri="{BB962C8B-B14F-4D97-AF65-F5344CB8AC3E}">
@@ -21912,42 +22616,42 @@
               <a:buNone/>
             </a:pPr>
             <a:r>
-              <a:rPr lang="en-US" sz="2400" dirty="0" err="1">
+              <a:rPr lang="en-US" sz="2000" dirty="0" err="1">
                 <a:latin typeface="Consolas" panose="020B0609020204030204" pitchFamily="49" charset="0"/>
                 <a:cs typeface="Consolas" panose="020B0609020204030204" pitchFamily="49" charset="0"/>
               </a:rPr>
               <a:t>int</a:t>
             </a:r>
             <a:r>
-              <a:rPr lang="en-US" sz="2400" dirty="0">
+              <a:rPr lang="en-US" sz="2000" dirty="0">
                 <a:latin typeface="Consolas" panose="020B0609020204030204" pitchFamily="49" charset="0"/>
                 <a:cs typeface="Consolas" panose="020B0609020204030204" pitchFamily="49" charset="0"/>
               </a:rPr>
               <a:t> </a:t>
             </a:r>
             <a:r>
-              <a:rPr lang="en-US" sz="2400" dirty="0" err="1">
+              <a:rPr lang="en-US" sz="2000" dirty="0" err="1">
                 <a:latin typeface="Consolas" panose="020B0609020204030204" pitchFamily="49" charset="0"/>
                 <a:cs typeface="Consolas" panose="020B0609020204030204" pitchFamily="49" charset="0"/>
               </a:rPr>
               <a:t>i</a:t>
             </a:r>
             <a:r>
-              <a:rPr lang="en-US" sz="2400" dirty="0">
+              <a:rPr lang="en-US" sz="2000" dirty="0">
                 <a:latin typeface="Consolas" panose="020B0609020204030204" pitchFamily="49" charset="0"/>
                 <a:cs typeface="Consolas" panose="020B0609020204030204" pitchFamily="49" charset="0"/>
               </a:rPr>
               <a:t> = </a:t>
             </a:r>
             <a:r>
-              <a:rPr lang="en-US" sz="2400" dirty="0" err="1">
+              <a:rPr lang="en-US" sz="2000" dirty="0" err="1">
                 <a:latin typeface="Consolas" panose="020B0609020204030204" pitchFamily="49" charset="0"/>
                 <a:cs typeface="Consolas" panose="020B0609020204030204" pitchFamily="49" charset="0"/>
               </a:rPr>
               <a:t>myPackage.Console.readInt</a:t>
             </a:r>
             <a:r>
-              <a:rPr lang="en-US" sz="2400" dirty="0">
+              <a:rPr lang="en-US" sz="2000" dirty="0">
                 <a:latin typeface="Consolas" panose="020B0609020204030204" pitchFamily="49" charset="0"/>
                 <a:cs typeface="Consolas" panose="020B0609020204030204" pitchFamily="49" charset="0"/>
               </a:rPr>
@@ -21965,75 +22669,75 @@
               <a:buNone/>
             </a:pPr>
             <a:r>
-              <a:rPr lang="en-US" sz="2800" dirty="0">
+              <a:rPr lang="en-US" sz="2000" dirty="0">
                 <a:latin typeface="Consolas" panose="020B0609020204030204" pitchFamily="49" charset="0"/>
                 <a:cs typeface="Consolas" panose="020B0609020204030204" pitchFamily="49" charset="0"/>
               </a:rPr>
               <a:t>import </a:t>
             </a:r>
             <a:r>
-              <a:rPr lang="en-US" sz="2800" dirty="0" err="1">
+              <a:rPr lang="en-US" sz="2000" dirty="0" err="1">
                 <a:latin typeface="Consolas" panose="020B0609020204030204" pitchFamily="49" charset="0"/>
                 <a:cs typeface="Consolas" panose="020B0609020204030204" pitchFamily="49" charset="0"/>
               </a:rPr>
               <a:t>java.sql.Date</a:t>
             </a:r>
             <a:r>
-              <a:rPr lang="en-US" sz="2800" dirty="0">
+              <a:rPr lang="en-US" sz="2000" dirty="0">
                 <a:latin typeface="Consolas" panose="020B0609020204030204" pitchFamily="49" charset="0"/>
                 <a:cs typeface="Consolas" panose="020B0609020204030204" pitchFamily="49" charset="0"/>
               </a:rPr>
               <a:t>;</a:t>
             </a:r>
             <a:br>
-              <a:rPr lang="en-US" sz="2800" dirty="0">
+              <a:rPr lang="en-US" sz="2000" dirty="0">
                 <a:latin typeface="Consolas" panose="020B0609020204030204" pitchFamily="49" charset="0"/>
                 <a:cs typeface="Consolas" panose="020B0609020204030204" pitchFamily="49" charset="0"/>
               </a:rPr>
             </a:br>
             <a:r>
-              <a:rPr lang="en-US" sz="2800" dirty="0">
+              <a:rPr lang="en-US" sz="2000" dirty="0">
                 <a:latin typeface="Consolas" panose="020B0609020204030204" pitchFamily="49" charset="0"/>
                 <a:cs typeface="Consolas" panose="020B0609020204030204" pitchFamily="49" charset="0"/>
               </a:rPr>
               <a:t>Date d1 = new Date(); // </a:t>
             </a:r>
             <a:r>
-              <a:rPr lang="en-US" sz="2800" dirty="0" err="1">
+              <a:rPr lang="en-US" sz="2000" dirty="0" err="1">
                 <a:latin typeface="Consolas" panose="020B0609020204030204" pitchFamily="49" charset="0"/>
                 <a:cs typeface="Consolas" panose="020B0609020204030204" pitchFamily="49" charset="0"/>
               </a:rPr>
               <a:t>java.sql.Date</a:t>
             </a:r>
             <a:br>
-              <a:rPr lang="en-US" sz="2800" dirty="0">
+              <a:rPr lang="en-US" sz="2000" dirty="0">
                 <a:latin typeface="Consolas" panose="020B0609020204030204" pitchFamily="49" charset="0"/>
                 <a:cs typeface="Consolas" panose="020B0609020204030204" pitchFamily="49" charset="0"/>
               </a:rPr>
             </a:br>
             <a:r>
-              <a:rPr lang="en-US" sz="2800" dirty="0" err="1">
+              <a:rPr lang="en-US" sz="2000" dirty="0" err="1">
                 <a:latin typeface="Consolas" panose="020B0609020204030204" pitchFamily="49" charset="0"/>
                 <a:cs typeface="Consolas" panose="020B0609020204030204" pitchFamily="49" charset="0"/>
               </a:rPr>
               <a:t>java.util.Date</a:t>
             </a:r>
             <a:r>
-              <a:rPr lang="en-US" sz="2800" dirty="0">
+              <a:rPr lang="en-US" sz="2000" dirty="0">
                 <a:latin typeface="Consolas" panose="020B0609020204030204" pitchFamily="49" charset="0"/>
                 <a:cs typeface="Consolas" panose="020B0609020204030204" pitchFamily="49" charset="0"/>
               </a:rPr>
               <a:t> d2 = new </a:t>
             </a:r>
             <a:r>
-              <a:rPr lang="en-US" sz="2800" dirty="0" err="1">
+              <a:rPr lang="en-US" sz="2000" dirty="0" err="1">
                 <a:latin typeface="Consolas" panose="020B0609020204030204" pitchFamily="49" charset="0"/>
                 <a:cs typeface="Consolas" panose="020B0609020204030204" pitchFamily="49" charset="0"/>
               </a:rPr>
               <a:t>java.util.Date</a:t>
             </a:r>
             <a:r>
-              <a:rPr lang="en-US" sz="2800" dirty="0">
+              <a:rPr lang="en-US" sz="2000" dirty="0">
                 <a:latin typeface="Consolas" panose="020B0609020204030204" pitchFamily="49" charset="0"/>
                 <a:cs typeface="Consolas" panose="020B0609020204030204" pitchFamily="49" charset="0"/>
               </a:rPr>
@@ -22329,7 +23033,13 @@
           <a:lstStyle/>
           <a:p>
             <a:r>
-              <a:rPr lang="en-US" sz="2800" dirty="0"/>
+              <a:rPr lang="en-US" sz="2800" dirty="0">
+                <a:solidFill>
+                  <a:schemeClr val="accent6">
+                    <a:lumMod val="75000"/>
+                  </a:schemeClr>
+                </a:solidFill>
+              </a:rPr>
               <a:t>Represent properties (attributes) and behaviors (methods) which are common to all instances of an object </a:t>
             </a:r>
           </a:p>
@@ -23743,10 +24453,9 @@
           <a:lstStyle/>
           <a:p>
             <a:r>
-              <a:rPr lang="en-US" dirty="0" err="1"/>
-              <a:t>Autoboxing</a:t>
-            </a:r>
-            <a:endParaRPr lang="en-US" dirty="0"/>
+              <a:rPr lang="en-US" dirty="0"/>
+              <a:t>Auto boxing</a:t>
+            </a:r>
           </a:p>
         </p:txBody>
       </p:sp>
@@ -24118,7 +24827,7 @@
           <a:p>
             <a:r>
               <a:rPr lang="en-US" dirty="0"/>
-              <a:t>Unboxing</a:t>
+              <a:t>Auto unboxing</a:t>
             </a:r>
           </a:p>
         </p:txBody>
